--- a/documentation/Escom loadshedding program.pptx
+++ b/documentation/Escom loadshedding program.pptx
@@ -19,6 +19,7 @@
     <p:sldId id="259" r:id="rId13"/>
     <p:sldId id="270" r:id="rId14"/>
     <p:sldId id="272" r:id="rId15"/>
+    <p:sldId id="273" r:id="rId16"/>
   </p:sldIdLst>
   <p:sldSz cx="12192000" cy="6858000"/>
   <p:notesSz cx="6858000" cy="9144000"/>
@@ -117,6 +118,11 @@
       </a:defRPr>
     </a:lvl9pPr>
   </p:defaultTextStyle>
+  <p:extLst>
+    <p:ext uri="{EFAFB233-063F-42B5-8137-9DF3F51BA10A}">
+      <p15:sldGuideLst xmlns:p15="http://schemas.microsoft.com/office/powerpoint/2012/main"/>
+    </p:ext>
+  </p:extLst>
 </p:presentation>
 </file>
 
@@ -267,7 +273,7 @@
           <a:p>
             <a:fld id="{55BBA37A-0189-41AD-8C66-246CDF74C74A}" type="datetimeFigureOut">
               <a:rPr lang="en-US" smtClean="0"/>
-              <a:t>3/4/2019</a:t>
+              <a:t>3/5/2019</a:t>
             </a:fld>
             <a:endParaRPr lang="en-US"/>
           </a:p>
@@ -465,7 +471,7 @@
           <a:p>
             <a:fld id="{55BBA37A-0189-41AD-8C66-246CDF74C74A}" type="datetimeFigureOut">
               <a:rPr lang="en-US" smtClean="0"/>
-              <a:t>3/4/2019</a:t>
+              <a:t>3/5/2019</a:t>
             </a:fld>
             <a:endParaRPr lang="en-US"/>
           </a:p>
@@ -673,7 +679,7 @@
           <a:p>
             <a:fld id="{55BBA37A-0189-41AD-8C66-246CDF74C74A}" type="datetimeFigureOut">
               <a:rPr lang="en-US" smtClean="0"/>
-              <a:t>3/4/2019</a:t>
+              <a:t>3/5/2019</a:t>
             </a:fld>
             <a:endParaRPr lang="en-US"/>
           </a:p>
@@ -871,7 +877,7 @@
           <a:p>
             <a:fld id="{55BBA37A-0189-41AD-8C66-246CDF74C74A}" type="datetimeFigureOut">
               <a:rPr lang="en-US" smtClean="0"/>
-              <a:t>3/4/2019</a:t>
+              <a:t>3/5/2019</a:t>
             </a:fld>
             <a:endParaRPr lang="en-US"/>
           </a:p>
@@ -1146,7 +1152,7 @@
           <a:p>
             <a:fld id="{55BBA37A-0189-41AD-8C66-246CDF74C74A}" type="datetimeFigureOut">
               <a:rPr lang="en-US" smtClean="0"/>
-              <a:t>3/4/2019</a:t>
+              <a:t>3/5/2019</a:t>
             </a:fld>
             <a:endParaRPr lang="en-US"/>
           </a:p>
@@ -1411,7 +1417,7 @@
           <a:p>
             <a:fld id="{55BBA37A-0189-41AD-8C66-246CDF74C74A}" type="datetimeFigureOut">
               <a:rPr lang="en-US" smtClean="0"/>
-              <a:t>3/4/2019</a:t>
+              <a:t>3/5/2019</a:t>
             </a:fld>
             <a:endParaRPr lang="en-US"/>
           </a:p>
@@ -1823,7 +1829,7 @@
           <a:p>
             <a:fld id="{55BBA37A-0189-41AD-8C66-246CDF74C74A}" type="datetimeFigureOut">
               <a:rPr lang="en-US" smtClean="0"/>
-              <a:t>3/4/2019</a:t>
+              <a:t>3/5/2019</a:t>
             </a:fld>
             <a:endParaRPr lang="en-US"/>
           </a:p>
@@ -1964,7 +1970,7 @@
           <a:p>
             <a:fld id="{55BBA37A-0189-41AD-8C66-246CDF74C74A}" type="datetimeFigureOut">
               <a:rPr lang="en-US" smtClean="0"/>
-              <a:t>3/4/2019</a:t>
+              <a:t>3/5/2019</a:t>
             </a:fld>
             <a:endParaRPr lang="en-US"/>
           </a:p>
@@ -2077,7 +2083,7 @@
           <a:p>
             <a:fld id="{55BBA37A-0189-41AD-8C66-246CDF74C74A}" type="datetimeFigureOut">
               <a:rPr lang="en-US" smtClean="0"/>
-              <a:t>3/4/2019</a:t>
+              <a:t>3/5/2019</a:t>
             </a:fld>
             <a:endParaRPr lang="en-US"/>
           </a:p>
@@ -2388,7 +2394,7 @@
           <a:p>
             <a:fld id="{55BBA37A-0189-41AD-8C66-246CDF74C74A}" type="datetimeFigureOut">
               <a:rPr lang="en-US" smtClean="0"/>
-              <a:t>3/4/2019</a:t>
+              <a:t>3/5/2019</a:t>
             </a:fld>
             <a:endParaRPr lang="en-US"/>
           </a:p>
@@ -2676,7 +2682,7 @@
           <a:p>
             <a:fld id="{55BBA37A-0189-41AD-8C66-246CDF74C74A}" type="datetimeFigureOut">
               <a:rPr lang="en-US" smtClean="0"/>
-              <a:t>3/4/2019</a:t>
+              <a:t>3/5/2019</a:t>
             </a:fld>
             <a:endParaRPr lang="en-US"/>
           </a:p>
@@ -2917,7 +2923,7 @@
           <a:p>
             <a:fld id="{55BBA37A-0189-41AD-8C66-246CDF74C74A}" type="datetimeFigureOut">
               <a:rPr lang="en-US" smtClean="0"/>
-              <a:t>3/4/2019</a:t>
+              <a:t>3/5/2019</a:t>
             </a:fld>
             <a:endParaRPr lang="en-US"/>
           </a:p>
@@ -4788,6 +4794,148 @@
 </p:sld>
 </file>
 
+<file path=ppt/slides/slide15.xml><?xml version="1.0" encoding="utf-8"?>
+<p:sld xmlns:a="http://schemas.openxmlformats.org/drawingml/2006/main" xmlns:r="http://schemas.openxmlformats.org/officeDocument/2006/relationships" xmlns:p="http://schemas.openxmlformats.org/presentationml/2006/main">
+  <p:cSld>
+    <p:spTree>
+      <p:nvGrpSpPr>
+        <p:cNvPr id="1" name=""/>
+        <p:cNvGrpSpPr/>
+        <p:nvPr/>
+      </p:nvGrpSpPr>
+      <p:grpSpPr>
+        <a:xfrm>
+          <a:off x="0" y="0"/>
+          <a:ext cx="0" cy="0"/>
+          <a:chOff x="0" y="0"/>
+          <a:chExt cx="0" cy="0"/>
+        </a:xfrm>
+      </p:grpSpPr>
+      <p:sp>
+        <p:nvSpPr>
+          <p:cNvPr id="2" name="Title 1">
+            <a:extLst>
+              <a:ext uri="{FF2B5EF4-FFF2-40B4-BE49-F238E27FC236}">
+                <a16:creationId xmlns:a16="http://schemas.microsoft.com/office/drawing/2014/main" id="{0E06E048-6FB7-4B7A-AB2E-62A8FD2480CC}"/>
+              </a:ext>
+            </a:extLst>
+          </p:cNvPr>
+          <p:cNvSpPr>
+            <a:spLocks noGrp="1"/>
+          </p:cNvSpPr>
+          <p:nvPr>
+            <p:ph type="title"/>
+          </p:nvPr>
+        </p:nvSpPr>
+        <p:spPr/>
+        <p:txBody>
+          <a:bodyPr/>
+          <a:lstStyle/>
+          <a:p>
+            <a:r>
+              <a:rPr lang="en-US" dirty="0"/>
+              <a:t>Project schedule	</a:t>
+            </a:r>
+          </a:p>
+        </p:txBody>
+      </p:sp>
+      <p:sp>
+        <p:nvSpPr>
+          <p:cNvPr id="3" name="Content Placeholder 2">
+            <a:extLst>
+              <a:ext uri="{FF2B5EF4-FFF2-40B4-BE49-F238E27FC236}">
+                <a16:creationId xmlns:a16="http://schemas.microsoft.com/office/drawing/2014/main" id="{CE4988C5-2FAC-456F-B2E4-673F58F6083A}"/>
+              </a:ext>
+            </a:extLst>
+          </p:cNvPr>
+          <p:cNvSpPr>
+            <a:spLocks noGrp="1"/>
+          </p:cNvSpPr>
+          <p:nvPr>
+            <p:ph idx="1"/>
+          </p:nvPr>
+        </p:nvSpPr>
+        <p:spPr/>
+        <p:txBody>
+          <a:bodyPr/>
+          <a:lstStyle/>
+          <a:p>
+            <a:r>
+              <a:rPr lang="en-US" dirty="0"/>
+              <a:t>Week 1</a:t>
+            </a:r>
+          </a:p>
+          <a:p>
+            <a:pPr lvl="1">
+              <a:buFont typeface="Wingdings" panose="05000000000000000000" pitchFamily="2" charset="2"/>
+              <a:buChar char="q"/>
+            </a:pPr>
+            <a:r>
+              <a:rPr lang="en-US" dirty="0"/>
+              <a:t>Analysis and design </a:t>
+            </a:r>
+          </a:p>
+          <a:p>
+            <a:pPr lvl="1">
+              <a:buFont typeface="Wingdings" panose="05000000000000000000" pitchFamily="2" charset="2"/>
+              <a:buChar char="q"/>
+            </a:pPr>
+            <a:r>
+              <a:rPr lang="en-US" dirty="0"/>
+              <a:t>Database classes implementation</a:t>
+            </a:r>
+          </a:p>
+          <a:p>
+            <a:pPr lvl="1">
+              <a:buFont typeface="Wingdings" panose="05000000000000000000" pitchFamily="2" charset="2"/>
+              <a:buChar char="q"/>
+            </a:pPr>
+            <a:r>
+              <a:rPr lang="en-US" dirty="0"/>
+              <a:t>Database Queries implementation</a:t>
+            </a:r>
+          </a:p>
+          <a:p>
+            <a:pPr lvl="1">
+              <a:buFont typeface="Wingdings" panose="05000000000000000000" pitchFamily="2" charset="2"/>
+              <a:buChar char="q"/>
+            </a:pPr>
+            <a:r>
+              <a:rPr lang="en-US" dirty="0"/>
+              <a:t>Database unit tests</a:t>
+            </a:r>
+          </a:p>
+          <a:p>
+            <a:pPr lvl="1">
+              <a:buFont typeface="Wingdings" panose="05000000000000000000" pitchFamily="2" charset="2"/>
+              <a:buChar char="q"/>
+            </a:pPr>
+            <a:r>
+              <a:rPr lang="en-US" dirty="0"/>
+              <a:t>UI implementations</a:t>
+            </a:r>
+          </a:p>
+          <a:p>
+            <a:pPr marL="914400" lvl="2" indent="0">
+              <a:buNone/>
+            </a:pPr>
+            <a:endParaRPr lang="en-US" dirty="0"/>
+          </a:p>
+        </p:txBody>
+      </p:sp>
+    </p:spTree>
+    <p:extLst>
+      <p:ext uri="{BB962C8B-B14F-4D97-AF65-F5344CB8AC3E}">
+        <p14:creationId xmlns:p14="http://schemas.microsoft.com/office/powerpoint/2010/main" val="2060855254"/>
+      </p:ext>
+    </p:extLst>
+  </p:cSld>
+  <p:clrMapOvr>
+    <a:masterClrMapping/>
+  </p:clrMapOvr>
+</p:sld>
+</file>
+
 <file path=ppt/slides/slide2.xml><?xml version="1.0" encoding="utf-8"?>
 <p:sld xmlns:a="http://schemas.openxmlformats.org/drawingml/2006/main" xmlns:r="http://schemas.openxmlformats.org/officeDocument/2006/relationships" xmlns:p="http://schemas.openxmlformats.org/presentationml/2006/main">
   <p:cSld>
